--- a/Мокрушин_Модин_ITCT/lab1.pptx
+++ b/Мокрушин_Модин_ITCT/lab1.pptx
@@ -339,7 +339,7 @@
           <a:p>
             <a:fld id="{34FC53D5-4E8B-4B3F-AF15-334E0D98763C}" type="datetimeFigureOut">
               <a:rPr lang="ru-RU" smtClean="0"/>
-              <a:t>13.11.2019</a:t>
+              <a:t>10.12.2019</a:t>
             </a:fld>
             <a:endParaRPr lang="ru-RU"/>
           </a:p>
@@ -547,7 +547,7 @@
           <a:p>
             <a:fld id="{34FC53D5-4E8B-4B3F-AF15-334E0D98763C}" type="datetimeFigureOut">
               <a:rPr lang="ru-RU" smtClean="0"/>
-              <a:t>13.11.2019</a:t>
+              <a:t>10.12.2019</a:t>
             </a:fld>
             <a:endParaRPr lang="ru-RU"/>
           </a:p>
@@ -803,7 +803,7 @@
           <a:p>
             <a:fld id="{34FC53D5-4E8B-4B3F-AF15-334E0D98763C}" type="datetimeFigureOut">
               <a:rPr lang="ru-RU" smtClean="0"/>
-              <a:t>13.11.2019</a:t>
+              <a:t>10.12.2019</a:t>
             </a:fld>
             <a:endParaRPr lang="ru-RU"/>
           </a:p>
@@ -977,7 +977,7 @@
           <a:p>
             <a:fld id="{34FC53D5-4E8B-4B3F-AF15-334E0D98763C}" type="datetimeFigureOut">
               <a:rPr lang="ru-RU" smtClean="0"/>
-              <a:t>13.11.2019</a:t>
+              <a:t>10.12.2019</a:t>
             </a:fld>
             <a:endParaRPr lang="ru-RU"/>
           </a:p>
@@ -1320,7 +1320,7 @@
           <a:p>
             <a:fld id="{34FC53D5-4E8B-4B3F-AF15-334E0D98763C}" type="datetimeFigureOut">
               <a:rPr lang="ru-RU" smtClean="0"/>
-              <a:t>13.11.2019</a:t>
+              <a:t>10.12.2019</a:t>
             </a:fld>
             <a:endParaRPr lang="ru-RU"/>
           </a:p>
@@ -1595,7 +1595,7 @@
           <a:p>
             <a:fld id="{34FC53D5-4E8B-4B3F-AF15-334E0D98763C}" type="datetimeFigureOut">
               <a:rPr lang="ru-RU" smtClean="0"/>
-              <a:t>13.11.2019</a:t>
+              <a:t>10.12.2019</a:t>
             </a:fld>
             <a:endParaRPr lang="ru-RU"/>
           </a:p>
@@ -1974,7 +1974,7 @@
           <a:p>
             <a:fld id="{34FC53D5-4E8B-4B3F-AF15-334E0D98763C}" type="datetimeFigureOut">
               <a:rPr lang="ru-RU" smtClean="0"/>
-              <a:t>13.11.2019</a:t>
+              <a:t>10.12.2019</a:t>
             </a:fld>
             <a:endParaRPr lang="ru-RU"/>
           </a:p>
@@ -2092,7 +2092,7 @@
           <a:p>
             <a:fld id="{34FC53D5-4E8B-4B3F-AF15-334E0D98763C}" type="datetimeFigureOut">
               <a:rPr lang="ru-RU" smtClean="0"/>
-              <a:t>13.11.2019</a:t>
+              <a:t>10.12.2019</a:t>
             </a:fld>
             <a:endParaRPr lang="ru-RU"/>
           </a:p>
@@ -2263,7 +2263,7 @@
           <a:p>
             <a:fld id="{34FC53D5-4E8B-4B3F-AF15-334E0D98763C}" type="datetimeFigureOut">
               <a:rPr lang="ru-RU" smtClean="0"/>
-              <a:t>13.11.2019</a:t>
+              <a:t>10.12.2019</a:t>
             </a:fld>
             <a:endParaRPr lang="ru-RU"/>
           </a:p>
@@ -2617,7 +2617,7 @@
           <a:p>
             <a:fld id="{34FC53D5-4E8B-4B3F-AF15-334E0D98763C}" type="datetimeFigureOut">
               <a:rPr lang="ru-RU" smtClean="0"/>
-              <a:t>13.11.2019</a:t>
+              <a:t>10.12.2019</a:t>
             </a:fld>
             <a:endParaRPr lang="ru-RU"/>
           </a:p>
@@ -2999,7 +2999,7 @@
           <a:p>
             <a:fld id="{34FC53D5-4E8B-4B3F-AF15-334E0D98763C}" type="datetimeFigureOut">
               <a:rPr lang="ru-RU" smtClean="0"/>
-              <a:t>13.11.2019</a:t>
+              <a:t>10.12.2019</a:t>
             </a:fld>
             <a:endParaRPr lang="ru-RU"/>
           </a:p>
@@ -3286,7 +3286,7 @@
           <a:p>
             <a:fld id="{34FC53D5-4E8B-4B3F-AF15-334E0D98763C}" type="datetimeFigureOut">
               <a:rPr lang="ru-RU" smtClean="0"/>
-              <a:t>13.11.2019</a:t>
+              <a:t>10.12.2019</a:t>
             </a:fld>
             <a:endParaRPr lang="ru-RU"/>
           </a:p>
@@ -3822,35 +3822,41 @@
         </p:nvSpPr>
         <p:spPr/>
         <p:txBody>
+          <a:bodyPr>
+            <a:normAutofit/>
+          </a:bodyPr>
+          <a:lstStyle/>
+          <a:p>
+            <a:r>
+              <a:rPr lang="en-US" sz="7600" dirty="0" smtClean="0"/>
+              <a:t>GODLIKE</a:t>
+            </a:r>
+            <a:r>
+              <a:rPr lang="en-US" sz="7600" dirty="0" smtClean="0"/>
+              <a:t>: Glory or Death</a:t>
+            </a:r>
+            <a:endParaRPr lang="ru-RU" sz="7600" dirty="0"/>
+          </a:p>
+        </p:txBody>
+      </p:sp>
+      <p:sp>
+        <p:nvSpPr>
+          <p:cNvPr id="3" name="Подзаголовок 2"/>
+          <p:cNvSpPr>
+            <a:spLocks noGrp="1"/>
+          </p:cNvSpPr>
+          <p:nvPr>
+            <p:ph type="subTitle" idx="1"/>
+          </p:nvPr>
+        </p:nvSpPr>
+        <p:spPr/>
+        <p:txBody>
           <a:bodyPr/>
           <a:lstStyle/>
           <a:p>
             <a:r>
               <a:rPr lang="en-US" dirty="0" smtClean="0"/>
-              <a:t>ITCT</a:t>
-            </a:r>
-            <a:endParaRPr lang="ru-RU" dirty="0"/>
-          </a:p>
-        </p:txBody>
-      </p:sp>
-      <p:sp>
-        <p:nvSpPr>
-          <p:cNvPr id="3" name="Подзаголовок 2"/>
-          <p:cNvSpPr>
-            <a:spLocks noGrp="1"/>
-          </p:cNvSpPr>
-          <p:nvPr>
-            <p:ph type="subTitle" idx="1"/>
-          </p:nvPr>
-        </p:nvSpPr>
-        <p:spPr/>
-        <p:txBody>
-          <a:bodyPr/>
-          <a:lstStyle/>
-          <a:p>
-            <a:r>
-              <a:rPr lang="en-US" dirty="0"/>
-              <a:t>Integration Test Coverage Tool</a:t>
+              <a:t>Mobile action Fighting game</a:t>
             </a:r>
             <a:endParaRPr lang="ru-RU" dirty="0"/>
           </a:p>
@@ -3938,7 +3944,47 @@
             </a:pPr>
             <a:r>
               <a:rPr lang="ru-RU" sz="2400" dirty="0" smtClean="0"/>
-              <a:t>Программные системы, состоящие из множества сервисов, могут содержать неочевидные критические ошибки, которые возникают только в результате взаимодействия сервисов и не проявляются при изолированной работе каждого из сервисов</a:t>
+              <a:t>Отсутствие на рынке мобильных игр достаточного </a:t>
+            </a:r>
+            <a:r>
+              <a:rPr lang="ru-RU" sz="2400" dirty="0"/>
+              <a:t>количества </a:t>
+            </a:r>
+            <a:r>
+              <a:rPr lang="ru-RU" sz="2400" dirty="0" smtClean="0"/>
+              <a:t>проектов, интересных современным детям </a:t>
+            </a:r>
+            <a:r>
+              <a:rPr lang="ru-RU" sz="2400" dirty="0"/>
+              <a:t>и </a:t>
+            </a:r>
+            <a:r>
+              <a:rPr lang="ru-RU" sz="2400" dirty="0" smtClean="0"/>
+              <a:t>подросткам, имеющих быстрый </a:t>
+            </a:r>
+            <a:r>
+              <a:rPr lang="ru-RU" sz="2400" dirty="0" err="1" smtClean="0"/>
+              <a:t>геймплей</a:t>
+            </a:r>
+            <a:r>
+              <a:rPr lang="ru-RU" sz="2400" dirty="0" smtClean="0"/>
+              <a:t> и не </a:t>
+            </a:r>
+            <a:r>
+              <a:rPr lang="ru-RU" sz="2400" dirty="0"/>
+              <a:t>требующих </a:t>
+            </a:r>
+            <a:r>
+              <a:rPr lang="ru-RU" sz="2400" dirty="0" smtClean="0"/>
+              <a:t>от игрока длительных </a:t>
+            </a:r>
+            <a:r>
+              <a:rPr lang="ru-RU" sz="2400" dirty="0"/>
+              <a:t>игровых </a:t>
+            </a:r>
+            <a:r>
+              <a:rPr lang="ru-RU" sz="2400" dirty="0" smtClean="0"/>
+              <a:t>сессий.</a:t>
             </a:r>
             <a:endParaRPr lang="ru-RU" sz="2400" dirty="0"/>
           </a:p>
@@ -4052,16 +4098,16 @@
           <a:lstStyle/>
           <a:p>
             <a:r>
-              <a:rPr lang="ru-RU" sz="2400" dirty="0" smtClean="0"/>
-              <a:t>Создание продукта для оценки покрытия кода сложными функциональными тестами, проверяющими работу сразу нескол</a:t>
-            </a:r>
-            <a:r>
               <a:rPr lang="ru-RU" sz="2400" dirty="0"/>
-              <a:t>ь</a:t>
-            </a:r>
-            <a:r>
-              <a:rPr lang="ru-RU" sz="2400" dirty="0" smtClean="0"/>
-              <a:t>ких сервисов при их взаимодействии</a:t>
+              <a:t>Разработать игру в жанре "</a:t>
+            </a:r>
+            <a:r>
+              <a:rPr lang="ru-RU" sz="2400" dirty="0" err="1"/>
+              <a:t>экшен</a:t>
+            </a:r>
+            <a:r>
+              <a:rPr lang="ru-RU" sz="2400" dirty="0"/>
+              <a:t>", ориентированную на аудиторию детей и подростков 8-16 лет, с целью заработка денежных средств на встроенной рекламе.</a:t>
             </a:r>
             <a:endParaRPr lang="ru-RU" sz="2400" dirty="0"/>
           </a:p>
@@ -4069,9 +4115,9 @@
       </p:sp>
       <p:pic>
         <p:nvPicPr>
-          <p:cNvPr id="5" name="Рисунок 4"/>
+          <p:cNvPr id="1028" name="Picture 4" descr="Похожее изображение"/>
           <p:cNvPicPr>
-            <a:picLocks noChangeAspect="1"/>
+            <a:picLocks noChangeAspect="1" noChangeArrowheads="1"/>
           </p:cNvPicPr>
           <p:nvPr/>
         </p:nvPicPr>
@@ -4083,18 +4129,29 @@
               </a:ext>
             </a:extLst>
           </a:blip>
+          <a:srcRect/>
           <a:stretch>
             <a:fillRect/>
           </a:stretch>
         </p:blipFill>
-        <p:spPr>
+        <p:spPr bwMode="auto">
           <a:xfrm>
-            <a:off x="9012555" y="3725969"/>
-            <a:ext cx="2143125" cy="2143125"/>
+            <a:off x="8366525" y="3294137"/>
+            <a:ext cx="2857500" cy="2857500"/>
           </a:xfrm>
           <a:prstGeom prst="rect">
             <a:avLst/>
           </a:prstGeom>
+          <a:noFill/>
+          <a:extLst>
+            <a:ext uri="{909E8E84-426E-40DD-AFC4-6F175D3DCCD1}">
+              <a14:hiddenFill xmlns:a14="http://schemas.microsoft.com/office/drawing/2010/main">
+                <a:solidFill>
+                  <a:srgbClr val="FFFFFF"/>
+                </a:solidFill>
+              </a14:hiddenFill>
+            </a:ext>
+          </a:extLst>
         </p:spPr>
       </p:pic>
     </p:spTree>
@@ -4151,11 +4208,7 @@
           <a:p>
             <a:r>
               <a:rPr lang="ru-RU" dirty="0" smtClean="0"/>
-              <a:t>Как работает </a:t>
-            </a:r>
-            <a:r>
-              <a:rPr lang="en-US" dirty="0" smtClean="0"/>
-              <a:t>ITCT</a:t>
+              <a:t>Особенности игры</a:t>
             </a:r>
             <a:endParaRPr lang="ru-RU" dirty="0"/>
           </a:p>
@@ -4183,13 +4236,10 @@
               <a:buChar char="•"/>
             </a:pPr>
             <a:r>
-              <a:rPr lang="ru-RU" sz="2400" dirty="0"/>
-              <a:t>п</a:t>
-            </a:r>
-            <a:r>
               <a:rPr lang="ru-RU" sz="2400" dirty="0" smtClean="0"/>
-              <a:t>роисходит запуск анализируемых сервисов, и выполняются функциональные тесты</a:t>
-            </a:r>
+              <a:t>реализована для мобильных устройств – основной платформы современных детей</a:t>
+            </a:r>
+            <a:endParaRPr lang="ru-RU" sz="2400" dirty="0" smtClean="0"/>
           </a:p>
           <a:p>
             <a:pPr lvl="1">
@@ -4197,13 +4247,18 @@
               <a:buChar char="•"/>
             </a:pPr>
             <a:r>
-              <a:rPr lang="ru-RU" sz="2400" dirty="0"/>
-              <a:t>в</a:t>
-            </a:r>
-            <a:r>
               <a:rPr lang="ru-RU" sz="2400" dirty="0" smtClean="0"/>
-              <a:t>о время выполнения тестов анализируется стек вызовов методов и отдельных строк кода для каждого сервиса</a:t>
-            </a:r>
+              <a:t>имеет быстрый </a:t>
+            </a:r>
+            <a:r>
+              <a:rPr lang="ru-RU" sz="2400" dirty="0" err="1" smtClean="0"/>
+              <a:t>геймплей</a:t>
+            </a:r>
+            <a:r>
+              <a:rPr lang="ru-RU" sz="2400" dirty="0" smtClean="0"/>
+              <a:t>, яркие цвета и большое количество визуальных эффектов, позволяя игроку получить большое количество эмоций и переживаний за короткий промежуток времени</a:t>
+            </a:r>
+            <a:endParaRPr lang="ru-RU" sz="2400" dirty="0" smtClean="0"/>
           </a:p>
           <a:p>
             <a:pPr lvl="1">
@@ -4212,14 +4267,34 @@
             </a:pPr>
             <a:r>
               <a:rPr lang="ru-RU" sz="2400" dirty="0" smtClean="0"/>
-              <a:t>на основе проведенного анализа составляется отчет о покрытии кода тестами</a:t>
-            </a:r>
-          </a:p>
-          <a:p>
-            <a:pPr marL="385200" lvl="3" indent="-342900">
+              <a:t>состоит из стадий </a:t>
+            </a:r>
+            <a:r>
+              <a:rPr lang="ru-RU" sz="2400" dirty="0"/>
+              <a:t>с разной </a:t>
+            </a:r>
+            <a:r>
+              <a:rPr lang="ru-RU" sz="2400" dirty="0" smtClean="0"/>
+              <a:t>сложностью, из-за чего подходит игрокам, имеющим разный игровой опыт и навык игры</a:t>
+            </a:r>
+          </a:p>
+          <a:p>
+            <a:pPr lvl="1">
               <a:buFont typeface="Arial" panose="020B0604020202020204" pitchFamily="34" charset="0"/>
               <a:buChar char="•"/>
             </a:pPr>
+            <a:r>
+              <a:rPr lang="ru-RU" sz="2400" dirty="0" smtClean="0"/>
+              <a:t>может быть интересна детям из-за ролевых элементов</a:t>
+            </a:r>
+            <a:r>
+              <a:rPr lang="ru-RU" sz="2400" dirty="0" smtClean="0"/>
+              <a:t>, позволяющих игроку развивать своего персонажа в </a:t>
+            </a:r>
+            <a:r>
+              <a:rPr lang="ru-RU" sz="2400" dirty="0"/>
+              <a:t>различных направлениях</a:t>
+            </a:r>
             <a:endParaRPr lang="ru-RU" sz="2400" dirty="0" smtClean="0"/>
           </a:p>
         </p:txBody>
@@ -4306,10 +4381,9 @@
               <a:buChar char="•"/>
             </a:pPr>
             <a:r>
-              <a:rPr lang="ru-RU" sz="2400" dirty="0" err="1" smtClean="0"/>
-              <a:t>тестировщики</a:t>
-            </a:r>
-            <a:endParaRPr lang="ru-RU" sz="2400" dirty="0" smtClean="0"/>
+              <a:rPr lang="ru-RU" sz="2400" dirty="0" smtClean="0"/>
+              <a:t>дети и подростки 8-16 лет</a:t>
+            </a:r>
           </a:p>
           <a:p>
             <a:pPr lvl="1">
@@ -4317,14 +4391,15 @@
               <a:buChar char="•"/>
             </a:pPr>
             <a:r>
-              <a:rPr lang="ru-RU" sz="2400" dirty="0"/>
-              <a:t> </a:t>
-            </a:r>
-            <a:r>
               <a:rPr lang="ru-RU" sz="2400" dirty="0" smtClean="0"/>
-              <a:t>разработчики</a:t>
-            </a:r>
-            <a:endParaRPr lang="ru-RU" sz="2400" dirty="0"/>
+              <a:t>преимущественно мальчики</a:t>
+            </a:r>
+          </a:p>
+          <a:p>
+            <a:pPr marL="201168" lvl="1" indent="0">
+              <a:buNone/>
+            </a:pPr>
+            <a:endParaRPr lang="ru-RU" sz="2400" dirty="0" smtClean="0"/>
           </a:p>
         </p:txBody>
       </p:sp>
@@ -4425,11 +4500,11 @@
             </a:r>
             <a:r>
               <a:rPr lang="ru-RU" sz="2400" dirty="0" smtClean="0"/>
-              <a:t>Модин Иван, разработчик и </a:t>
-            </a:r>
-            <a:r>
-              <a:rPr lang="ru-RU" sz="2400" dirty="0" err="1" smtClean="0"/>
-              <a:t>тестировщик</a:t>
+              <a:t>Модин Иван, </a:t>
+            </a:r>
+            <a:r>
+              <a:rPr lang="ru-RU" sz="2400" dirty="0" smtClean="0"/>
+              <a:t>художник и музыкант</a:t>
             </a:r>
             <a:endParaRPr lang="ru-RU" sz="2400" dirty="0"/>
           </a:p>
@@ -4577,7 +4652,7 @@
     </a:clrScheme>
     <a:fontScheme name="Ретро">
       <a:majorFont>
-        <a:latin typeface="Calibri Light" panose="020F0302020204030204"/>
+        <a:latin typeface="Calibri Light"/>
         <a:ea typeface=""/>
         <a:cs typeface=""/>
         <a:font script="Jpan" typeface="ＭＳ Ｐゴシック"/>
@@ -4612,7 +4687,7 @@
         <a:font script="Geor" typeface="Sylfaen"/>
       </a:majorFont>
       <a:minorFont>
-        <a:latin typeface="Calibri" panose="020F0502020204030204"/>
+        <a:latin typeface="Calibri"/>
         <a:ea typeface=""/>
         <a:cs typeface=""/>
         <a:font script="Jpan" typeface="ＭＳ Ｐゴシック"/>
@@ -4811,7 +4886,7 @@
   <a:extraClrSchemeLst/>
   <a:extLst>
     <a:ext uri="{05A4C25C-085E-4340-85A3-A5531E510DB2}">
-      <thm15:themeFamily xmlns:thm15="http://schemas.microsoft.com/office/thememl/2012/main" name="Retrospect" id="{5F128B03-DCCA-4EEB-AB3B-CF2899314A46}" vid="{3F1AAB62-24C6-49D2-8E01-B56FAC9A3DCD}"/>
+      <thm15:themeFamily xmlns:thm15="http://schemas.microsoft.com/office/thememl/2012/main" xmlns="" name="Retrospect" id="{5F128B03-DCCA-4EEB-AB3B-CF2899314A46}" vid="{3F1AAB62-24C6-49D2-8E01-B56FAC9A3DCD}"/>
     </a:ext>
   </a:extLst>
 </a:theme>
